--- a/Presentacion/PITS_BI_01.pptx
+++ b/Presentacion/PITS_BI_01.pptx
@@ -5,7 +5,7 @@
     <p:sldMasterId id="2147483660" r:id="rId1"/>
   </p:sldMasterIdLst>
   <p:notesMasterIdLst>
-    <p:notesMasterId r:id="rId14"/>
+    <p:notesMasterId r:id="rId15"/>
   </p:notesMasterIdLst>
   <p:sldIdLst>
     <p:sldId id="256" r:id="rId2"/>
@@ -17,9 +17,10 @@
     <p:sldId id="278" r:id="rId8"/>
     <p:sldId id="279" r:id="rId9"/>
     <p:sldId id="282" r:id="rId10"/>
-    <p:sldId id="263" r:id="rId11"/>
-    <p:sldId id="283" r:id="rId12"/>
-    <p:sldId id="280" r:id="rId13"/>
+    <p:sldId id="285" r:id="rId11"/>
+    <p:sldId id="263" r:id="rId12"/>
+    <p:sldId id="283" r:id="rId13"/>
+    <p:sldId id="280" r:id="rId14"/>
   </p:sldIdLst>
   <p:sldSz cx="9144000" cy="6858000" type="screen4x3"/>
   <p:notesSz cx="6858000" cy="9144000"/>
@@ -4510,16 +4511,23 @@
             <p:ph type="title"/>
           </p:nvPr>
         </p:nvSpPr>
-        <p:spPr/>
-        <p:txBody>
-          <a:bodyPr/>
+        <p:spPr>
+          <a:xfrm>
+            <a:off x="539552" y="5234960"/>
+            <a:ext cx="8183880" cy="1051560"/>
+          </a:xfrm>
+        </p:spPr>
+        <p:txBody>
+          <a:bodyPr>
+            <a:normAutofit/>
+          </a:bodyPr>
           <a:lstStyle/>
           <a:p>
             <a:r>
-              <a:rPr lang="es-ES_tradnl" dirty="0" smtClean="0"/>
-              <a:t>Plan de trabajo</a:t>
-            </a:r>
-            <a:endParaRPr lang="es-ES_tradnl" dirty="0"/>
+              <a:rPr lang="es-ES_tradnl" sz="2800" dirty="0" smtClean="0"/>
+              <a:t>Conclusiones y recomendaciones</a:t>
+            </a:r>
+            <a:endParaRPr lang="es-PE" sz="2800" dirty="0"/>
           </a:p>
         </p:txBody>
       </p:sp>
@@ -4600,42 +4608,41 @@
       </p:sp>
       <p:sp>
         <p:nvSpPr>
-          <p:cNvPr id="36" name="AutoShape 3"/>
+          <p:cNvPr id="28" name="AutoShape 4"/>
           <p:cNvSpPr>
             <a:spLocks noChangeArrowheads="1"/>
           </p:cNvSpPr>
           <p:nvPr/>
         </p:nvSpPr>
-        <p:spPr bwMode="ltGray">
+        <p:spPr bwMode="gray">
           <a:xfrm>
-            <a:off x="714348" y="428604"/>
-            <a:ext cx="7715304" cy="5357850"/>
+            <a:off x="861970" y="1064954"/>
+            <a:ext cx="3495716" cy="4578624"/>
           </a:xfrm>
-          <a:prstGeom prst="rightArrow">
+          <a:prstGeom prst="roundRect">
             <a:avLst>
-              <a:gd name="adj1" fmla="val 79306"/>
-              <a:gd name="adj2" fmla="val 32395"/>
+              <a:gd name="adj" fmla="val 17509"/>
             </a:avLst>
           </a:prstGeom>
-          <a:ln>
+          <a:gradFill rotWithShape="1">
+            <a:gsLst>
+              <a:gs pos="0">
+                <a:srgbClr val="4E91D4"/>
+              </a:gs>
+              <a:gs pos="100000">
+                <a:srgbClr val="3477A4"/>
+              </a:gs>
+            </a:gsLst>
+            <a:lin ang="2700000" scaled="1"/>
+          </a:gradFill>
+          <a:ln w="9525">
+            <a:noFill/>
+            <a:round/>
             <a:headEnd/>
             <a:tailEnd/>
           </a:ln>
+          <a:effectLst/>
         </p:spPr>
-        <p:style>
-          <a:lnRef idx="0">
-            <a:schemeClr val="accent3"/>
-          </a:lnRef>
-          <a:fillRef idx="3">
-            <a:schemeClr val="accent3"/>
-          </a:fillRef>
-          <a:effectRef idx="3">
-            <a:schemeClr val="accent3"/>
-          </a:effectRef>
-          <a:fontRef idx="minor">
-            <a:schemeClr val="lt1"/>
-          </a:fontRef>
-        </p:style>
         <p:txBody>
           <a:bodyPr wrap="none" anchor="ctr"/>
           <a:lstStyle/>
@@ -4646,218 +4653,426 @@
       </p:sp>
       <p:sp>
         <p:nvSpPr>
-          <p:cNvPr id="37" name="AutoShape 4"/>
+          <p:cNvPr id="29" name="AutoShape 5"/>
           <p:cNvSpPr>
             <a:spLocks noChangeArrowheads="1"/>
           </p:cNvSpPr>
           <p:nvPr/>
         </p:nvSpPr>
-        <p:spPr bwMode="blackWhite">
+        <p:spPr bwMode="gray">
           <a:xfrm>
-            <a:off x="809596" y="1109642"/>
-            <a:ext cx="5834106" cy="533408"/>
+            <a:off x="928662" y="1071546"/>
+            <a:ext cx="3390562" cy="4492139"/>
           </a:xfrm>
           <a:prstGeom prst="roundRect">
             <a:avLst>
-              <a:gd name="adj" fmla="val 9106"/>
+              <a:gd name="adj" fmla="val 16667"/>
             </a:avLst>
           </a:prstGeom>
-          <a:ln>
+          <a:solidFill>
+            <a:srgbClr val="3CA1E6"/>
+          </a:solidFill>
+          <a:ln w="9525">
+            <a:noFill/>
+            <a:round/>
             <a:headEnd/>
             <a:tailEnd/>
           </a:ln>
+          <a:effectLst/>
         </p:spPr>
-        <p:style>
-          <a:lnRef idx="1">
-            <a:schemeClr val="accent3"/>
-          </a:lnRef>
-          <a:fillRef idx="2">
-            <a:schemeClr val="accent3"/>
-          </a:fillRef>
-          <a:effectRef idx="1">
-            <a:schemeClr val="accent3"/>
-          </a:effectRef>
-          <a:fontRef idx="minor">
-            <a:schemeClr val="dk1"/>
-          </a:fontRef>
-        </p:style>
         <p:txBody>
           <a:bodyPr wrap="none" anchor="ctr"/>
           <a:lstStyle/>
           <a:p>
-            <a:pPr marL="457200" indent="-457200"/>
-            <a:r>
-              <a:rPr lang="es-PE" b="1" dirty="0" smtClean="0">
-                <a:latin typeface="Lucida Console" pitchFamily="49" charset="0"/>
-              </a:rPr>
-              <a:t>Revisión del proceso </a:t>
-            </a:r>
-            <a:r>
-              <a:rPr lang="es-PE" b="1" dirty="0" smtClean="0">
-                <a:latin typeface="Lucida Console" pitchFamily="49" charset="0"/>
-              </a:rPr>
-              <a:t>actual</a:t>
-            </a:r>
-            <a:endParaRPr lang="es-PE" b="1" dirty="0" smtClean="0">
-              <a:latin typeface="Lucida Console" pitchFamily="49" charset="0"/>
-            </a:endParaRPr>
-          </a:p>
-        </p:txBody>
-      </p:sp>
-      <p:sp>
-        <p:nvSpPr>
-          <p:cNvPr id="38" name="AutoShape 5"/>
+            <a:endParaRPr lang="es-ES" dirty="0"/>
+          </a:p>
+        </p:txBody>
+      </p:sp>
+      <p:sp>
+        <p:nvSpPr>
+          <p:cNvPr id="30" name="AutoShape 6"/>
           <p:cNvSpPr>
             <a:spLocks noChangeArrowheads="1"/>
           </p:cNvSpPr>
           <p:nvPr/>
         </p:nvSpPr>
-        <p:spPr bwMode="blackWhite">
+        <p:spPr bwMode="gray">
           <a:xfrm>
-            <a:off x="809596" y="1714488"/>
-            <a:ext cx="5834106" cy="1457316"/>
+            <a:off x="944041" y="4384456"/>
+            <a:ext cx="3344397" cy="1137025"/>
           </a:xfrm>
           <a:prstGeom prst="roundRect">
             <a:avLst>
-              <a:gd name="adj" fmla="val 9106"/>
+              <a:gd name="adj" fmla="val 50000"/>
             </a:avLst>
           </a:prstGeom>
-          <a:ln>
+          <a:gradFill rotWithShape="1">
+            <a:gsLst>
+              <a:gs pos="0">
+                <a:srgbClr val="3CA1E6">
+                  <a:alpha val="0"/>
+                </a:srgbClr>
+              </a:gs>
+              <a:gs pos="100000">
+                <a:srgbClr val="3CA1E6">
+                  <a:gamma/>
+                  <a:tint val="51373"/>
+                  <a:invGamma/>
+                </a:srgbClr>
+              </a:gs>
+            </a:gsLst>
+            <a:lin ang="5400000" scaled="1"/>
+          </a:gradFill>
+          <a:ln w="9525">
+            <a:noFill/>
+            <a:round/>
             <a:headEnd/>
             <a:tailEnd/>
           </a:ln>
+          <a:effectLst/>
         </p:spPr>
-        <p:style>
-          <a:lnRef idx="1">
-            <a:schemeClr val="accent4"/>
-          </a:lnRef>
-          <a:fillRef idx="2">
-            <a:schemeClr val="accent4"/>
-          </a:fillRef>
-          <a:effectRef idx="1">
-            <a:schemeClr val="accent4"/>
-          </a:effectRef>
-          <a:fontRef idx="minor">
-            <a:schemeClr val="dk1"/>
-          </a:fontRef>
-        </p:style>
         <p:txBody>
           <a:bodyPr wrap="none" anchor="ctr"/>
           <a:lstStyle/>
           <a:p>
-            <a:pPr marL="457200" indent="-457200"/>
-            <a:r>
-              <a:rPr lang="es-PE" sz="2000" b="1" dirty="0" smtClean="0">
-                <a:latin typeface="Lucida Console" pitchFamily="49" charset="0"/>
-              </a:rPr>
-              <a:t>Definición de:</a:t>
-            </a:r>
-          </a:p>
-          <a:p>
-            <a:pPr marL="283464" indent="-457200">
-              <a:buFont typeface="+mj-lt"/>
-              <a:buAutoNum type="alphaLcPeriod"/>
-            </a:pPr>
-            <a:r>
-              <a:rPr lang="es-PE" sz="1600" dirty="0" smtClean="0">
-                <a:latin typeface="Lucida Console" pitchFamily="49" charset="0"/>
-              </a:rPr>
-              <a:t>Objetivos del proyecto.</a:t>
-            </a:r>
-          </a:p>
-          <a:p>
-            <a:pPr marL="283464" indent="-457200">
-              <a:buFont typeface="+mj-lt"/>
-              <a:buAutoNum type="alphaLcPeriod"/>
-            </a:pPr>
-            <a:r>
-              <a:rPr lang="es-PE" sz="1600" dirty="0" smtClean="0">
-                <a:latin typeface="Lucida Console" pitchFamily="49" charset="0"/>
-              </a:rPr>
-              <a:t>Etapas del proyecto.</a:t>
-            </a:r>
-          </a:p>
-          <a:p>
-            <a:pPr marL="283464" indent="-457200">
-              <a:buFont typeface="+mj-lt"/>
-              <a:buAutoNum type="alphaLcPeriod"/>
-            </a:pPr>
-            <a:r>
-              <a:rPr lang="es-PE" sz="1600" dirty="0" smtClean="0">
-                <a:latin typeface="Lucida Console" pitchFamily="49" charset="0"/>
-              </a:rPr>
-              <a:t>Grupo de trabajo.</a:t>
-            </a:r>
-          </a:p>
-          <a:p>
-            <a:pPr marL="283464" indent="-457200">
-              <a:buFont typeface="+mj-lt"/>
-              <a:buAutoNum type="alphaLcPeriod"/>
-            </a:pPr>
-            <a:r>
-              <a:rPr lang="es-PE" sz="1600" dirty="0" smtClean="0">
-                <a:latin typeface="Lucida Console" pitchFamily="49" charset="0"/>
-              </a:rPr>
-              <a:t>Requerimientos y recursos necesarios.</a:t>
-            </a:r>
-            <a:endParaRPr lang="es-PE" sz="1600" dirty="0" smtClean="0">
-              <a:latin typeface="Lucida Console" pitchFamily="49" charset="0"/>
-            </a:endParaRPr>
-          </a:p>
-        </p:txBody>
-      </p:sp>
-      <p:sp>
-        <p:nvSpPr>
-          <p:cNvPr id="39" name="AutoShape 6"/>
+            <a:endParaRPr lang="en-US"/>
+          </a:p>
+        </p:txBody>
+      </p:sp>
+      <p:sp>
+        <p:nvSpPr>
+          <p:cNvPr id="31" name="AutoShape 7"/>
           <p:cNvSpPr>
             <a:spLocks noChangeArrowheads="1"/>
           </p:cNvSpPr>
           <p:nvPr/>
         </p:nvSpPr>
-        <p:spPr bwMode="blackWhite">
+        <p:spPr bwMode="gray">
           <a:xfrm>
-            <a:off x="785786" y="3214686"/>
-            <a:ext cx="5857916" cy="571504"/>
+            <a:off x="944041" y="1113284"/>
+            <a:ext cx="3344397" cy="519351"/>
           </a:xfrm>
           <a:prstGeom prst="roundRect">
             <a:avLst>
-              <a:gd name="adj" fmla="val 9106"/>
+              <a:gd name="adj" fmla="val 50000"/>
             </a:avLst>
           </a:prstGeom>
-          <a:ln>
+          <a:noFill/>
+          <a:ln w="9525" algn="ctr">
+            <a:noFill/>
+            <a:miter lim="800000"/>
             <a:headEnd/>
             <a:tailEnd/>
           </a:ln>
+          <a:effectLst/>
         </p:spPr>
-        <p:style>
-          <a:lnRef idx="1">
-            <a:schemeClr val="accent1"/>
-          </a:lnRef>
-          <a:fillRef idx="2">
-            <a:schemeClr val="accent1"/>
-          </a:fillRef>
-          <a:effectRef idx="1">
-            <a:schemeClr val="accent1"/>
-          </a:effectRef>
-          <a:fontRef idx="minor">
-            <a:schemeClr val="dk1"/>
-          </a:fontRef>
-        </p:style>
-        <p:txBody>
-          <a:bodyPr wrap="none" anchor="ctr"/>
+        <p:txBody>
+          <a:bodyPr>
+            <a:spAutoFit/>
+          </a:bodyPr>
           <a:lstStyle/>
           <a:p>
-            <a:pPr eaLnBrk="0" hangingPunct="0"/>
-            <a:r>
-              <a:rPr lang="es-PE" b="1" dirty="0" smtClean="0">
-                <a:latin typeface="Lucida Console" pitchFamily="49" charset="0"/>
+            <a:pPr marL="342900" indent="-342900">
+              <a:buFont typeface="+mj-lt"/>
+              <a:buAutoNum type="arabicPeriod"/>
+            </a:pPr>
+            <a:endParaRPr lang="en-US" dirty="0" smtClean="0">
+              <a:latin typeface="Arial" charset="0"/>
+            </a:endParaRPr>
+          </a:p>
+        </p:txBody>
+      </p:sp>
+      <p:grpSp>
+        <p:nvGrpSpPr>
+          <p:cNvPr id="34" name="Group 10"/>
+          <p:cNvGrpSpPr>
+            <a:grpSpLocks/>
+          </p:cNvGrpSpPr>
+          <p:nvPr/>
+        </p:nvGrpSpPr>
+        <p:grpSpPr bwMode="auto">
+          <a:xfrm>
+            <a:off x="1214414" y="714356"/>
+            <a:ext cx="2786082" cy="857256"/>
+            <a:chOff x="1289" y="582"/>
+            <a:chExt cx="668" cy="668"/>
+          </a:xfrm>
+        </p:grpSpPr>
+        <p:sp>
+          <p:nvSpPr>
+            <p:cNvPr id="37" name="Oval 11"/>
+            <p:cNvSpPr>
+              <a:spLocks noChangeArrowheads="1"/>
+            </p:cNvSpPr>
+            <p:nvPr/>
+          </p:nvSpPr>
+          <p:spPr bwMode="gray">
+            <a:xfrm>
+              <a:off x="1289" y="582"/>
+              <a:ext cx="668" cy="668"/>
+            </a:xfrm>
+            <a:prstGeom prst="ellipse">
+              <a:avLst/>
+            </a:prstGeom>
+            <a:solidFill>
+              <a:srgbClr val="333333"/>
+            </a:solidFill>
+            <a:ln w="38100" algn="ctr">
+              <a:noFill/>
+              <a:round/>
+              <a:headEnd/>
+              <a:tailEnd/>
+            </a:ln>
+            <a:effectLst/>
+          </p:spPr>
+          <p:txBody>
+            <a:bodyPr anchor="ctr">
+              <a:spAutoFit/>
+            </a:bodyPr>
+            <a:lstStyle/>
+            <a:p>
+              <a:endParaRPr lang="en-US"/>
+            </a:p>
+          </p:txBody>
+        </p:sp>
+        <p:sp>
+          <p:nvSpPr>
+            <p:cNvPr id="38" name="Oval 12"/>
+            <p:cNvSpPr>
+              <a:spLocks noChangeArrowheads="1"/>
+            </p:cNvSpPr>
+            <p:nvPr/>
+          </p:nvSpPr>
+          <p:spPr bwMode="gray">
+            <a:xfrm>
+              <a:off x="1296" y="587"/>
+              <a:ext cx="646" cy="647"/>
+            </a:xfrm>
+            <a:prstGeom prst="ellipse">
+              <a:avLst/>
+            </a:prstGeom>
+            <a:gradFill rotWithShape="1">
+              <a:gsLst>
+                <a:gs pos="0">
+                  <a:srgbClr val="D6E1E2">
+                    <a:gamma/>
+                    <a:shade val="46275"/>
+                    <a:invGamma/>
+                  </a:srgbClr>
+                </a:gs>
+                <a:gs pos="100000">
+                  <a:srgbClr val="D6E1E2"/>
+                </a:gs>
+              </a:gsLst>
+              <a:lin ang="5400000" scaled="1"/>
+            </a:gradFill>
+            <a:ln w="9525" algn="ctr">
+              <a:noFill/>
+              <a:round/>
+              <a:headEnd/>
+              <a:tailEnd/>
+            </a:ln>
+            <a:effectLst/>
+          </p:spPr>
+          <p:txBody>
+            <a:bodyPr vert="eaVert" wrap="none" anchor="ctr"/>
+            <a:lstStyle/>
+            <a:p>
+              <a:endParaRPr lang="en-US"/>
+            </a:p>
+          </p:txBody>
+        </p:sp>
+        <p:sp>
+          <p:nvSpPr>
+            <p:cNvPr id="39" name="Oval 13"/>
+            <p:cNvSpPr>
+              <a:spLocks noChangeArrowheads="1"/>
+            </p:cNvSpPr>
+            <p:nvPr/>
+          </p:nvSpPr>
+          <p:spPr bwMode="gray">
+            <a:xfrm>
+              <a:off x="1304" y="591"/>
+              <a:ext cx="631" cy="631"/>
+            </a:xfrm>
+            <a:prstGeom prst="ellipse">
+              <a:avLst/>
+            </a:prstGeom>
+            <a:gradFill rotWithShape="1">
+              <a:gsLst>
+                <a:gs pos="0">
+                  <a:srgbClr val="D6E1E2">
+                    <a:alpha val="0"/>
+                  </a:srgbClr>
+                </a:gs>
+                <a:gs pos="100000">
+                  <a:srgbClr val="D6E1E2">
+                    <a:gamma/>
+                    <a:tint val="34902"/>
+                    <a:invGamma/>
+                  </a:srgbClr>
+                </a:gs>
+              </a:gsLst>
+              <a:lin ang="5400000" scaled="1"/>
+            </a:gradFill>
+            <a:ln w="9525" algn="ctr">
+              <a:noFill/>
+              <a:round/>
+              <a:headEnd/>
+              <a:tailEnd/>
+            </a:ln>
+            <a:effectLst/>
+          </p:spPr>
+          <p:txBody>
+            <a:bodyPr vert="eaVert" wrap="none" anchor="ctr"/>
+            <a:lstStyle/>
+            <a:p>
+              <a:endParaRPr lang="en-US"/>
+            </a:p>
+          </p:txBody>
+        </p:sp>
+        <p:sp>
+          <p:nvSpPr>
+            <p:cNvPr id="40" name="Oval 14"/>
+            <p:cNvSpPr>
+              <a:spLocks noChangeArrowheads="1"/>
+            </p:cNvSpPr>
+            <p:nvPr/>
+          </p:nvSpPr>
+          <p:spPr bwMode="gray">
+            <a:xfrm>
+              <a:off x="1311" y="597"/>
+              <a:ext cx="600" cy="589"/>
+            </a:xfrm>
+            <a:prstGeom prst="ellipse">
+              <a:avLst/>
+            </a:prstGeom>
+            <a:gradFill rotWithShape="1">
+              <a:gsLst>
+                <a:gs pos="0">
+                  <a:srgbClr val="D6E1E2">
+                    <a:gamma/>
+                    <a:shade val="79216"/>
+                    <a:invGamma/>
+                  </a:srgbClr>
+                </a:gs>
+                <a:gs pos="100000">
+                  <a:srgbClr val="D6E1E2">
+                    <a:alpha val="48000"/>
+                  </a:srgbClr>
+                </a:gs>
+              </a:gsLst>
+              <a:lin ang="5400000" scaled="1"/>
+            </a:gradFill>
+            <a:ln w="9525" algn="ctr">
+              <a:noFill/>
+              <a:round/>
+              <a:headEnd/>
+              <a:tailEnd/>
+            </a:ln>
+            <a:effectLst/>
+          </p:spPr>
+          <p:txBody>
+            <a:bodyPr vert="eaVert" wrap="none" anchor="ctr"/>
+            <a:lstStyle/>
+            <a:p>
+              <a:endParaRPr lang="en-US"/>
+            </a:p>
+          </p:txBody>
+        </p:sp>
+        <p:sp>
+          <p:nvSpPr>
+            <p:cNvPr id="41" name="Oval 15"/>
+            <p:cNvSpPr>
+              <a:spLocks noChangeArrowheads="1"/>
+            </p:cNvSpPr>
+            <p:nvPr/>
+          </p:nvSpPr>
+          <p:spPr bwMode="gray">
+            <a:xfrm>
+              <a:off x="1346" y="613"/>
+              <a:ext cx="533" cy="479"/>
+            </a:xfrm>
+            <a:prstGeom prst="ellipse">
+              <a:avLst/>
+            </a:prstGeom>
+            <a:gradFill rotWithShape="1">
+              <a:gsLst>
+                <a:gs pos="0">
+                  <a:srgbClr val="D6E1E2">
+                    <a:gamma/>
+                    <a:tint val="0"/>
+                    <a:invGamma/>
+                  </a:srgbClr>
+                </a:gs>
+                <a:gs pos="100000">
+                  <a:srgbClr val="D6E1E2">
+                    <a:alpha val="38000"/>
+                  </a:srgbClr>
+                </a:gs>
+              </a:gsLst>
+              <a:lin ang="5400000" scaled="1"/>
+            </a:gradFill>
+            <a:ln w="9525" algn="ctr">
+              <a:noFill/>
+              <a:round/>
+              <a:headEnd/>
+              <a:tailEnd/>
+            </a:ln>
+            <a:effectLst/>
+          </p:spPr>
+          <p:txBody>
+            <a:bodyPr vert="eaVert" wrap="none" anchor="ctr"/>
+            <a:lstStyle/>
+            <a:p>
+              <a:endParaRPr lang="en-US"/>
+            </a:p>
+          </p:txBody>
+        </p:sp>
+      </p:grpSp>
+      <p:sp>
+        <p:nvSpPr>
+          <p:cNvPr id="35" name="Text Box 16"/>
+          <p:cNvSpPr txBox="1">
+            <a:spLocks noChangeArrowheads="1"/>
+          </p:cNvSpPr>
+          <p:nvPr/>
+        </p:nvSpPr>
+        <p:spPr bwMode="gray">
+          <a:xfrm>
+            <a:off x="1428728" y="928670"/>
+            <a:ext cx="2201245" cy="461665"/>
+          </a:xfrm>
+          <a:prstGeom prst="rect">
+            <a:avLst/>
+          </a:prstGeom>
+          <a:noFill/>
+          <a:ln w="9525" algn="ctr">
+            <a:noFill/>
+            <a:miter lim="800000"/>
+            <a:headEnd/>
+            <a:tailEnd/>
+          </a:ln>
+          <a:effectLst/>
+        </p:spPr>
+        <p:txBody>
+          <a:bodyPr wrap="none">
+            <a:spAutoFit/>
+          </a:bodyPr>
+          <a:lstStyle/>
+          <a:p>
+            <a:pPr algn="ctr"/>
+            <a:r>
+              <a:rPr lang="en-US" sz="2400" b="1" dirty="0" err="1" smtClean="0">
+                <a:solidFill>
+                  <a:srgbClr val="000000"/>
+                </a:solidFill>
+                <a:effectLst/>
+                <a:latin typeface="Arial" charset="0"/>
               </a:rPr>
-              <a:t>Desarrollo de la solución</a:t>
+              <a:t>Conclusiones</a:t>
             </a:r>
             <a:endParaRPr lang="en-US" sz="1800" b="1" dirty="0">
-              <a:solidFill>
-                <a:schemeClr val="bg1"/>
-              </a:solidFill>
               <a:effectLst/>
               <a:latin typeface="Arial" charset="0"/>
             </a:endParaRPr>
@@ -4866,114 +5081,831 @@
       </p:sp>
       <p:sp>
         <p:nvSpPr>
-          <p:cNvPr id="40" name="AutoShape 6"/>
-          <p:cNvSpPr>
+          <p:cNvPr id="36" name="Text Box 17"/>
+          <p:cNvSpPr txBox="1">
             <a:spLocks noChangeArrowheads="1"/>
           </p:cNvSpPr>
           <p:nvPr/>
         </p:nvSpPr>
-        <p:spPr bwMode="blackWhite">
+        <p:spPr bwMode="gray">
           <a:xfrm>
-            <a:off x="785786" y="3857628"/>
-            <a:ext cx="5857916" cy="571504"/>
+            <a:off x="985077" y="1285860"/>
+            <a:ext cx="3323880" cy="3416320"/>
+          </a:xfrm>
+          <a:prstGeom prst="rect">
+            <a:avLst/>
+          </a:prstGeom>
+          <a:noFill/>
+          <a:ln w="9525" algn="ctr">
+            <a:noFill/>
+            <a:miter lim="800000"/>
+            <a:headEnd/>
+            <a:tailEnd/>
+          </a:ln>
+          <a:effectLst/>
+        </p:spPr>
+        <p:txBody>
+          <a:bodyPr>
+            <a:spAutoFit/>
+          </a:bodyPr>
+          <a:lstStyle/>
+          <a:p>
+            <a:pPr marL="342900" indent="-342900">
+              <a:buFont typeface="+mj-lt"/>
+              <a:buAutoNum type="arabicPeriod"/>
+            </a:pPr>
+            <a:endParaRPr lang="en-US" dirty="0" smtClean="0">
+              <a:latin typeface="Arial" charset="0"/>
+            </a:endParaRPr>
+          </a:p>
+          <a:p>
+            <a:pPr marL="342900" indent="-342900">
+              <a:buFont typeface="+mj-lt"/>
+              <a:buAutoNum type="arabicPeriod"/>
+            </a:pPr>
+            <a:r>
+              <a:rPr lang="en-US" dirty="0" err="1" smtClean="0">
+                <a:latin typeface="Arial" charset="0"/>
+              </a:rPr>
+              <a:t>Segun</a:t>
+            </a:r>
+            <a:r>
+              <a:rPr lang="en-US" dirty="0" smtClean="0">
+                <a:latin typeface="Arial" charset="0"/>
+              </a:rPr>
+              <a:t> lo </a:t>
+            </a:r>
+            <a:r>
+              <a:rPr lang="en-US" dirty="0" err="1" smtClean="0">
+                <a:latin typeface="Arial" charset="0"/>
+              </a:rPr>
+              <a:t>revisado</a:t>
+            </a:r>
+            <a:r>
+              <a:rPr lang="en-US" dirty="0" smtClean="0">
+                <a:latin typeface="Arial" charset="0"/>
+              </a:rPr>
+              <a:t> y </a:t>
+            </a:r>
+            <a:r>
+              <a:rPr lang="en-US" dirty="0" err="1" smtClean="0">
+                <a:latin typeface="Arial" charset="0"/>
+              </a:rPr>
+              <a:t>analizado</a:t>
+            </a:r>
+            <a:r>
+              <a:rPr lang="en-US" dirty="0" smtClean="0">
+                <a:latin typeface="Arial" charset="0"/>
+              </a:rPr>
+              <a:t> </a:t>
+            </a:r>
+            <a:r>
+              <a:rPr lang="en-US" dirty="0" err="1" smtClean="0">
+                <a:latin typeface="Arial" charset="0"/>
+              </a:rPr>
+              <a:t>actualmente</a:t>
+            </a:r>
+            <a:r>
+              <a:rPr lang="en-US" dirty="0" smtClean="0">
+                <a:latin typeface="Arial" charset="0"/>
+              </a:rPr>
+              <a:t> se </a:t>
+            </a:r>
+            <a:r>
+              <a:rPr lang="en-US" dirty="0" err="1" smtClean="0">
+                <a:latin typeface="Arial" charset="0"/>
+              </a:rPr>
+              <a:t>han</a:t>
+            </a:r>
+            <a:r>
+              <a:rPr lang="en-US" dirty="0" smtClean="0">
+                <a:latin typeface="Arial" charset="0"/>
+              </a:rPr>
+              <a:t> </a:t>
+            </a:r>
+            <a:r>
+              <a:rPr lang="en-US" dirty="0" err="1" smtClean="0">
+                <a:latin typeface="Arial" charset="0"/>
+              </a:rPr>
+              <a:t>encontrado</a:t>
+            </a:r>
+            <a:r>
+              <a:rPr lang="en-US" dirty="0" smtClean="0">
+                <a:latin typeface="Arial" charset="0"/>
+              </a:rPr>
+              <a:t> </a:t>
+            </a:r>
+            <a:r>
+              <a:rPr lang="en-US" dirty="0" err="1" smtClean="0">
+                <a:latin typeface="Arial" charset="0"/>
+              </a:rPr>
+              <a:t>incosistencia</a:t>
+            </a:r>
+            <a:r>
+              <a:rPr lang="en-US" dirty="0" smtClean="0">
+                <a:latin typeface="Arial" charset="0"/>
+              </a:rPr>
+              <a:t> en los </a:t>
+            </a:r>
+            <a:r>
+              <a:rPr lang="en-US" dirty="0" err="1" smtClean="0">
+                <a:latin typeface="Arial" charset="0"/>
+              </a:rPr>
+              <a:t>datos</a:t>
+            </a:r>
+            <a:r>
+              <a:rPr lang="en-US" dirty="0" smtClean="0">
+                <a:latin typeface="Arial" charset="0"/>
+              </a:rPr>
+              <a:t> </a:t>
+            </a:r>
+            <a:r>
+              <a:rPr lang="en-US" dirty="0" err="1" smtClean="0">
+                <a:latin typeface="Arial" charset="0"/>
+              </a:rPr>
+              <a:t>registrados</a:t>
+            </a:r>
+            <a:r>
+              <a:rPr lang="en-US" smtClean="0">
+                <a:latin typeface="Arial" charset="0"/>
+              </a:rPr>
+              <a:t>.</a:t>
+            </a:r>
+            <a:endParaRPr lang="en-US" dirty="0" smtClean="0">
+              <a:latin typeface="Arial" charset="0"/>
+            </a:endParaRPr>
+          </a:p>
+          <a:p>
+            <a:pPr marL="342900" indent="-342900">
+              <a:buFont typeface="+mj-lt"/>
+              <a:buAutoNum type="arabicPeriod"/>
+            </a:pPr>
+            <a:r>
+              <a:rPr lang="en-US" dirty="0" smtClean="0">
+                <a:latin typeface="Arial" charset="0"/>
+              </a:rPr>
+              <a:t>PITS  </a:t>
+            </a:r>
+            <a:r>
+              <a:rPr lang="es-ES" dirty="0" smtClean="0">
+                <a:latin typeface="Arial" charset="0"/>
+              </a:rPr>
+              <a:t>cuenta</a:t>
+            </a:r>
+            <a:r>
+              <a:rPr lang="en-US" dirty="0" smtClean="0">
+                <a:latin typeface="Arial" charset="0"/>
+              </a:rPr>
+              <a:t> con data </a:t>
+            </a:r>
+            <a:r>
+              <a:rPr lang="es-ES" dirty="0" err="1" smtClean="0">
+                <a:latin typeface="Arial" charset="0"/>
+              </a:rPr>
+              <a:t>sufiente</a:t>
+            </a:r>
+            <a:r>
+              <a:rPr lang="en-US" dirty="0" smtClean="0">
+                <a:latin typeface="Arial" charset="0"/>
+              </a:rPr>
+              <a:t> </a:t>
+            </a:r>
+            <a:r>
+              <a:rPr lang="en-US" dirty="0" err="1" smtClean="0">
+                <a:latin typeface="Arial" charset="0"/>
+              </a:rPr>
+              <a:t>para</a:t>
+            </a:r>
+            <a:r>
+              <a:rPr lang="en-US" dirty="0" smtClean="0">
+                <a:latin typeface="Arial" charset="0"/>
+              </a:rPr>
+              <a:t> ser </a:t>
+            </a:r>
+            <a:r>
+              <a:rPr lang="en-US" dirty="0" err="1" smtClean="0">
+                <a:latin typeface="Arial" charset="0"/>
+              </a:rPr>
+              <a:t>explotada</a:t>
+            </a:r>
+            <a:r>
+              <a:rPr lang="en-US" dirty="0" smtClean="0">
+                <a:latin typeface="Arial" charset="0"/>
+              </a:rPr>
+              <a:t> </a:t>
+            </a:r>
+            <a:r>
+              <a:rPr lang="en-US" dirty="0" err="1" smtClean="0">
+                <a:latin typeface="Arial" charset="0"/>
+              </a:rPr>
+              <a:t>por</a:t>
+            </a:r>
+            <a:r>
+              <a:rPr lang="en-US" dirty="0" smtClean="0">
+                <a:latin typeface="Arial" charset="0"/>
+              </a:rPr>
+              <a:t> la </a:t>
+            </a:r>
+            <a:r>
+              <a:rPr lang="en-US" dirty="0" err="1" smtClean="0">
+                <a:latin typeface="Arial" charset="0"/>
+              </a:rPr>
+              <a:t>solucion</a:t>
+            </a:r>
+            <a:r>
+              <a:rPr lang="en-US" dirty="0" smtClean="0">
+                <a:latin typeface="Arial" charset="0"/>
+              </a:rPr>
+              <a:t> BI.</a:t>
+            </a:r>
+            <a:endParaRPr lang="en-US" dirty="0" smtClean="0">
+              <a:latin typeface="Arial" charset="0"/>
+            </a:endParaRPr>
+          </a:p>
+          <a:p>
+            <a:pPr marL="342900" indent="-342900">
+              <a:buFont typeface="+mj-lt"/>
+              <a:buAutoNum type="arabicPeriod"/>
+            </a:pPr>
+            <a:endParaRPr lang="en-US" dirty="0" smtClean="0">
+              <a:latin typeface="Arial" charset="0"/>
+            </a:endParaRPr>
+          </a:p>
+          <a:p>
+            <a:pPr marL="342900" indent="-342900">
+              <a:buFont typeface="+mj-lt"/>
+              <a:buAutoNum type="arabicPeriod"/>
+            </a:pPr>
+            <a:endParaRPr lang="en-US" dirty="0" smtClean="0">
+              <a:latin typeface="Arial" charset="0"/>
+            </a:endParaRPr>
+          </a:p>
+          <a:p>
+            <a:pPr marL="342900" indent="-342900">
+              <a:buFont typeface="+mj-lt"/>
+              <a:buAutoNum type="arabicPeriod"/>
+            </a:pPr>
+            <a:endParaRPr lang="en-US" dirty="0" smtClean="0">
+              <a:latin typeface="Arial" charset="0"/>
+            </a:endParaRPr>
+          </a:p>
+        </p:txBody>
+      </p:sp>
+      <p:sp>
+        <p:nvSpPr>
+          <p:cNvPr id="43" name="AutoShape 19"/>
+          <p:cNvSpPr>
+            <a:spLocks noChangeArrowheads="1"/>
+          </p:cNvSpPr>
+          <p:nvPr/>
+        </p:nvSpPr>
+        <p:spPr bwMode="gray">
+          <a:xfrm>
+            <a:off x="4791060" y="1064954"/>
+            <a:ext cx="3495716" cy="4578624"/>
           </a:xfrm>
           <a:prstGeom prst="roundRect">
             <a:avLst>
-              <a:gd name="adj" fmla="val 9106"/>
+              <a:gd name="adj" fmla="val 17509"/>
             </a:avLst>
           </a:prstGeom>
-          <a:ln>
+          <a:gradFill rotWithShape="1">
+            <a:gsLst>
+              <a:gs pos="0">
+                <a:srgbClr val="34B034"/>
+              </a:gs>
+              <a:gs pos="100000">
+                <a:srgbClr val="3F8B4A"/>
+              </a:gs>
+            </a:gsLst>
+            <a:lin ang="2700000" scaled="1"/>
+          </a:gradFill>
+          <a:ln w="9525">
+            <a:noFill/>
+            <a:round/>
             <a:headEnd/>
             <a:tailEnd/>
           </a:ln>
+          <a:effectLst/>
         </p:spPr>
-        <p:style>
-          <a:lnRef idx="1">
-            <a:schemeClr val="dk1"/>
-          </a:lnRef>
-          <a:fillRef idx="2">
-            <a:schemeClr val="dk1"/>
-          </a:fillRef>
-          <a:effectRef idx="1">
-            <a:schemeClr val="dk1"/>
-          </a:effectRef>
-          <a:fontRef idx="minor">
-            <a:schemeClr val="dk1"/>
-          </a:fontRef>
-        </p:style>
         <p:txBody>
           <a:bodyPr wrap="none" anchor="ctr"/>
           <a:lstStyle/>
           <a:p>
-            <a:pPr eaLnBrk="0" hangingPunct="0"/>
-            <a:r>
-              <a:rPr lang="es-PE" sz="1600" b="1" dirty="0" smtClean="0">
-                <a:latin typeface="Lucida Console" pitchFamily="49" charset="0"/>
-              </a:rPr>
-              <a:t>Pruebas durante el desarrollo</a:t>
-            </a:r>
-            <a:endParaRPr lang="en-US" sz="1600" b="1" dirty="0">
-              <a:solidFill>
-                <a:schemeClr val="bg1"/>
-              </a:solidFill>
+            <a:endParaRPr lang="en-US"/>
+          </a:p>
+        </p:txBody>
+      </p:sp>
+      <p:sp>
+        <p:nvSpPr>
+          <p:cNvPr id="44" name="AutoShape 20"/>
+          <p:cNvSpPr>
+            <a:spLocks noChangeArrowheads="1"/>
+          </p:cNvSpPr>
+          <p:nvPr/>
+        </p:nvSpPr>
+        <p:spPr bwMode="gray">
+          <a:xfrm>
+            <a:off x="4844919" y="1077672"/>
+            <a:ext cx="3390562" cy="4492139"/>
+          </a:xfrm>
+          <a:prstGeom prst="roundRect">
+            <a:avLst>
+              <a:gd name="adj" fmla="val 16667"/>
+            </a:avLst>
+          </a:prstGeom>
+          <a:solidFill>
+            <a:srgbClr val="73E77E"/>
+          </a:solidFill>
+          <a:ln w="9525">
+            <a:noFill/>
+            <a:round/>
+            <a:headEnd/>
+            <a:tailEnd/>
+          </a:ln>
+          <a:effectLst/>
+        </p:spPr>
+        <p:txBody>
+          <a:bodyPr wrap="none" anchor="ctr"/>
+          <a:lstStyle/>
+          <a:p>
+            <a:endParaRPr lang="en-US"/>
+          </a:p>
+        </p:txBody>
+      </p:sp>
+      <p:sp>
+        <p:nvSpPr>
+          <p:cNvPr id="45" name="AutoShape 21"/>
+          <p:cNvSpPr>
+            <a:spLocks noChangeArrowheads="1"/>
+          </p:cNvSpPr>
+          <p:nvPr/>
+        </p:nvSpPr>
+        <p:spPr bwMode="gray">
+          <a:xfrm>
+            <a:off x="4873131" y="4384456"/>
+            <a:ext cx="3344397" cy="1137025"/>
+          </a:xfrm>
+          <a:prstGeom prst="roundRect">
+            <a:avLst>
+              <a:gd name="adj" fmla="val 50000"/>
+            </a:avLst>
+          </a:prstGeom>
+          <a:gradFill rotWithShape="1">
+            <a:gsLst>
+              <a:gs pos="0">
+                <a:srgbClr val="73E77E"/>
+              </a:gs>
+              <a:gs pos="100000">
+                <a:srgbClr val="73E77E">
+                  <a:gamma/>
+                  <a:tint val="54510"/>
+                  <a:invGamma/>
+                </a:srgbClr>
+              </a:gs>
+            </a:gsLst>
+            <a:lin ang="5400000" scaled="1"/>
+          </a:gradFill>
+          <a:ln w="9525">
+            <a:noFill/>
+            <a:round/>
+            <a:headEnd/>
+            <a:tailEnd/>
+          </a:ln>
+          <a:effectLst/>
+        </p:spPr>
+        <p:txBody>
+          <a:bodyPr wrap="none" anchor="ctr"/>
+          <a:lstStyle/>
+          <a:p>
+            <a:endParaRPr lang="en-US"/>
+          </a:p>
+        </p:txBody>
+      </p:sp>
+      <p:sp>
+        <p:nvSpPr>
+          <p:cNvPr id="46" name="AutoShape 22"/>
+          <p:cNvSpPr>
+            <a:spLocks noChangeArrowheads="1"/>
+          </p:cNvSpPr>
+          <p:nvPr/>
+        </p:nvSpPr>
+        <p:spPr bwMode="gray">
+          <a:xfrm>
+            <a:off x="4873131" y="1113284"/>
+            <a:ext cx="3344397" cy="1134481"/>
+          </a:xfrm>
+          <a:prstGeom prst="roundRect">
+            <a:avLst>
+              <a:gd name="adj" fmla="val 50000"/>
+            </a:avLst>
+          </a:prstGeom>
+          <a:gradFill rotWithShape="1">
+            <a:gsLst>
+              <a:gs pos="0">
+                <a:srgbClr val="73E77E">
+                  <a:gamma/>
+                  <a:tint val="33333"/>
+                  <a:invGamma/>
+                </a:srgbClr>
+              </a:gs>
+              <a:gs pos="100000">
+                <a:srgbClr val="73E77E"/>
+              </a:gs>
+            </a:gsLst>
+            <a:lin ang="5400000" scaled="1"/>
+          </a:gradFill>
+          <a:ln w="9525">
+            <a:noFill/>
+            <a:round/>
+            <a:headEnd/>
+            <a:tailEnd/>
+          </a:ln>
+          <a:effectLst/>
+        </p:spPr>
+        <p:txBody>
+          <a:bodyPr wrap="none" anchor="ctr"/>
+          <a:lstStyle/>
+          <a:p>
+            <a:endParaRPr lang="en-US"/>
+          </a:p>
+        </p:txBody>
+      </p:sp>
+      <p:sp>
+        <p:nvSpPr>
+          <p:cNvPr id="53" name="Text Box 29"/>
+          <p:cNvSpPr txBox="1">
+            <a:spLocks noChangeArrowheads="1"/>
+          </p:cNvSpPr>
+          <p:nvPr/>
+        </p:nvSpPr>
+        <p:spPr bwMode="gray">
+          <a:xfrm>
+            <a:off x="4857752" y="1357298"/>
+            <a:ext cx="3323880" cy="3970318"/>
+          </a:xfrm>
+          <a:prstGeom prst="rect">
+            <a:avLst/>
+          </a:prstGeom>
+          <a:noFill/>
+          <a:ln w="9525" algn="ctr">
+            <a:noFill/>
+            <a:miter lim="800000"/>
+            <a:headEnd/>
+            <a:tailEnd/>
+          </a:ln>
+          <a:effectLst/>
+        </p:spPr>
+        <p:txBody>
+          <a:bodyPr>
+            <a:spAutoFit/>
+          </a:bodyPr>
+          <a:lstStyle/>
+          <a:p>
+            <a:pPr marL="342900" indent="-342900">
+              <a:buFont typeface="+mj-lt"/>
+              <a:buAutoNum type="arabicPeriod"/>
+            </a:pPr>
+            <a:endParaRPr lang="es-ES" sz="1800" dirty="0" smtClean="0">
               <a:effectLst/>
               <a:latin typeface="Arial" charset="0"/>
             </a:endParaRPr>
           </a:p>
-        </p:txBody>
-      </p:sp>
-      <p:sp>
-        <p:nvSpPr>
-          <p:cNvPr id="41" name="AutoShape 6"/>
-          <p:cNvSpPr>
+          <a:p>
+            <a:pPr marL="342900" indent="-342900">
+              <a:buFont typeface="+mj-lt"/>
+              <a:buAutoNum type="arabicPeriod"/>
+            </a:pPr>
+            <a:r>
+              <a:rPr lang="es-ES" sz="1800" dirty="0" smtClean="0">
+                <a:effectLst/>
+                <a:latin typeface="Arial" charset="0"/>
+              </a:rPr>
+              <a:t>Establecer niveles de control en los sistemas de informacion que garanticen la consistencia de los datos.</a:t>
+            </a:r>
+          </a:p>
+          <a:p>
+            <a:pPr marL="342900" indent="-342900">
+              <a:buFont typeface="+mj-lt"/>
+              <a:buAutoNum type="arabicPeriod"/>
+            </a:pPr>
+            <a:r>
+              <a:rPr lang="es-ES" sz="1800" dirty="0" smtClean="0">
+                <a:effectLst/>
+                <a:latin typeface="Arial" charset="0"/>
+              </a:rPr>
+              <a:t>Concientizar al personal de la importancia de la datos como ACTIVO para la empresa.</a:t>
+            </a:r>
+          </a:p>
+          <a:p>
+            <a:pPr marL="342900" indent="-342900">
+              <a:buFont typeface="+mj-lt"/>
+              <a:buAutoNum type="arabicPeriod"/>
+            </a:pPr>
+            <a:r>
+              <a:rPr lang="es-ES" dirty="0" smtClean="0">
+                <a:latin typeface="Arial" charset="0"/>
+              </a:rPr>
+              <a:t>Implantar un sistema de Análisis de Informacion como soporte en la toma de decisiones.</a:t>
+            </a:r>
+            <a:endParaRPr lang="es-ES" sz="1800" dirty="0">
+              <a:effectLst/>
+              <a:latin typeface="Arial" charset="0"/>
+            </a:endParaRPr>
+          </a:p>
+        </p:txBody>
+      </p:sp>
+      <p:grpSp>
+        <p:nvGrpSpPr>
+          <p:cNvPr id="72" name="Group 10"/>
+          <p:cNvGrpSpPr>
+            <a:grpSpLocks/>
+          </p:cNvGrpSpPr>
+          <p:nvPr/>
+        </p:nvGrpSpPr>
+        <p:grpSpPr bwMode="auto">
+          <a:xfrm>
+            <a:off x="5072066" y="714356"/>
+            <a:ext cx="2786082" cy="857256"/>
+            <a:chOff x="1289" y="582"/>
+            <a:chExt cx="668" cy="668"/>
+          </a:xfrm>
+        </p:grpSpPr>
+        <p:sp>
+          <p:nvSpPr>
+            <p:cNvPr id="73" name="Oval 11"/>
+            <p:cNvSpPr>
+              <a:spLocks noChangeArrowheads="1"/>
+            </p:cNvSpPr>
+            <p:nvPr/>
+          </p:nvSpPr>
+          <p:spPr bwMode="gray">
+            <a:xfrm>
+              <a:off x="1289" y="582"/>
+              <a:ext cx="668" cy="668"/>
+            </a:xfrm>
+            <a:prstGeom prst="ellipse">
+              <a:avLst/>
+            </a:prstGeom>
+            <a:solidFill>
+              <a:srgbClr val="333333"/>
+            </a:solidFill>
+            <a:ln w="38100" algn="ctr">
+              <a:noFill/>
+              <a:round/>
+              <a:headEnd/>
+              <a:tailEnd/>
+            </a:ln>
+            <a:effectLst/>
+          </p:spPr>
+          <p:txBody>
+            <a:bodyPr anchor="ctr">
+              <a:spAutoFit/>
+            </a:bodyPr>
+            <a:lstStyle/>
+            <a:p>
+              <a:endParaRPr lang="en-US"/>
+            </a:p>
+          </p:txBody>
+        </p:sp>
+        <p:sp>
+          <p:nvSpPr>
+            <p:cNvPr id="79" name="Oval 12"/>
+            <p:cNvSpPr>
+              <a:spLocks noChangeArrowheads="1"/>
+            </p:cNvSpPr>
+            <p:nvPr/>
+          </p:nvSpPr>
+          <p:spPr bwMode="gray">
+            <a:xfrm>
+              <a:off x="1296" y="587"/>
+              <a:ext cx="646" cy="647"/>
+            </a:xfrm>
+            <a:prstGeom prst="ellipse">
+              <a:avLst/>
+            </a:prstGeom>
+            <a:gradFill rotWithShape="1">
+              <a:gsLst>
+                <a:gs pos="0">
+                  <a:srgbClr val="D6E1E2">
+                    <a:gamma/>
+                    <a:shade val="46275"/>
+                    <a:invGamma/>
+                  </a:srgbClr>
+                </a:gs>
+                <a:gs pos="100000">
+                  <a:srgbClr val="D6E1E2"/>
+                </a:gs>
+              </a:gsLst>
+              <a:lin ang="5400000" scaled="1"/>
+            </a:gradFill>
+            <a:ln w="9525" algn="ctr">
+              <a:noFill/>
+              <a:round/>
+              <a:headEnd/>
+              <a:tailEnd/>
+            </a:ln>
+            <a:effectLst/>
+          </p:spPr>
+          <p:txBody>
+            <a:bodyPr vert="eaVert" wrap="none" anchor="ctr"/>
+            <a:lstStyle/>
+            <a:p>
+              <a:endParaRPr lang="en-US"/>
+            </a:p>
+          </p:txBody>
+        </p:sp>
+        <p:sp>
+          <p:nvSpPr>
+            <p:cNvPr id="80" name="Oval 13"/>
+            <p:cNvSpPr>
+              <a:spLocks noChangeArrowheads="1"/>
+            </p:cNvSpPr>
+            <p:nvPr/>
+          </p:nvSpPr>
+          <p:spPr bwMode="gray">
+            <a:xfrm>
+              <a:off x="1304" y="591"/>
+              <a:ext cx="631" cy="631"/>
+            </a:xfrm>
+            <a:prstGeom prst="ellipse">
+              <a:avLst/>
+            </a:prstGeom>
+            <a:gradFill rotWithShape="1">
+              <a:gsLst>
+                <a:gs pos="0">
+                  <a:srgbClr val="D6E1E2">
+                    <a:alpha val="0"/>
+                  </a:srgbClr>
+                </a:gs>
+                <a:gs pos="100000">
+                  <a:srgbClr val="D6E1E2">
+                    <a:gamma/>
+                    <a:tint val="34902"/>
+                    <a:invGamma/>
+                  </a:srgbClr>
+                </a:gs>
+              </a:gsLst>
+              <a:lin ang="5400000" scaled="1"/>
+            </a:gradFill>
+            <a:ln w="9525" algn="ctr">
+              <a:noFill/>
+              <a:round/>
+              <a:headEnd/>
+              <a:tailEnd/>
+            </a:ln>
+            <a:effectLst/>
+          </p:spPr>
+          <p:txBody>
+            <a:bodyPr vert="eaVert" wrap="none" anchor="ctr"/>
+            <a:lstStyle/>
+            <a:p>
+              <a:endParaRPr lang="en-US"/>
+            </a:p>
+          </p:txBody>
+        </p:sp>
+        <p:sp>
+          <p:nvSpPr>
+            <p:cNvPr id="81" name="Oval 14"/>
+            <p:cNvSpPr>
+              <a:spLocks noChangeArrowheads="1"/>
+            </p:cNvSpPr>
+            <p:nvPr/>
+          </p:nvSpPr>
+          <p:spPr bwMode="gray">
+            <a:xfrm>
+              <a:off x="1311" y="597"/>
+              <a:ext cx="600" cy="589"/>
+            </a:xfrm>
+            <a:prstGeom prst="ellipse">
+              <a:avLst/>
+            </a:prstGeom>
+            <a:gradFill rotWithShape="1">
+              <a:gsLst>
+                <a:gs pos="0">
+                  <a:srgbClr val="D6E1E2">
+                    <a:gamma/>
+                    <a:shade val="79216"/>
+                    <a:invGamma/>
+                  </a:srgbClr>
+                </a:gs>
+                <a:gs pos="100000">
+                  <a:srgbClr val="D6E1E2">
+                    <a:alpha val="48000"/>
+                  </a:srgbClr>
+                </a:gs>
+              </a:gsLst>
+              <a:lin ang="5400000" scaled="1"/>
+            </a:gradFill>
+            <a:ln w="9525" algn="ctr">
+              <a:noFill/>
+              <a:round/>
+              <a:headEnd/>
+              <a:tailEnd/>
+            </a:ln>
+            <a:effectLst/>
+          </p:spPr>
+          <p:txBody>
+            <a:bodyPr vert="eaVert" wrap="none" anchor="ctr"/>
+            <a:lstStyle/>
+            <a:p>
+              <a:endParaRPr lang="en-US"/>
+            </a:p>
+          </p:txBody>
+        </p:sp>
+        <p:sp>
+          <p:nvSpPr>
+            <p:cNvPr id="82" name="Oval 15"/>
+            <p:cNvSpPr>
+              <a:spLocks noChangeArrowheads="1"/>
+            </p:cNvSpPr>
+            <p:nvPr/>
+          </p:nvSpPr>
+          <p:spPr bwMode="gray">
+            <a:xfrm>
+              <a:off x="1346" y="613"/>
+              <a:ext cx="533" cy="479"/>
+            </a:xfrm>
+            <a:prstGeom prst="ellipse">
+              <a:avLst/>
+            </a:prstGeom>
+            <a:gradFill rotWithShape="1">
+              <a:gsLst>
+                <a:gs pos="0">
+                  <a:srgbClr val="D6E1E2">
+                    <a:gamma/>
+                    <a:tint val="0"/>
+                    <a:invGamma/>
+                  </a:srgbClr>
+                </a:gs>
+                <a:gs pos="100000">
+                  <a:srgbClr val="D6E1E2">
+                    <a:alpha val="38000"/>
+                  </a:srgbClr>
+                </a:gs>
+              </a:gsLst>
+              <a:lin ang="5400000" scaled="1"/>
+            </a:gradFill>
+            <a:ln w="9525" algn="ctr">
+              <a:noFill/>
+              <a:round/>
+              <a:headEnd/>
+              <a:tailEnd/>
+            </a:ln>
+            <a:effectLst/>
+          </p:spPr>
+          <p:txBody>
+            <a:bodyPr vert="eaVert" wrap="none" anchor="ctr"/>
+            <a:lstStyle/>
+            <a:p>
+              <a:endParaRPr lang="en-US"/>
+            </a:p>
+          </p:txBody>
+        </p:sp>
+      </p:grpSp>
+      <p:sp>
+        <p:nvSpPr>
+          <p:cNvPr id="83" name="Text Box 16"/>
+          <p:cNvSpPr txBox="1">
             <a:spLocks noChangeArrowheads="1"/>
           </p:cNvSpPr>
           <p:nvPr/>
         </p:nvSpPr>
-        <p:spPr bwMode="blackWhite">
+        <p:spPr bwMode="gray">
           <a:xfrm>
-            <a:off x="785786" y="4500570"/>
-            <a:ext cx="5857916" cy="571504"/>
+            <a:off x="5286380" y="928670"/>
+            <a:ext cx="2452916" cy="400110"/>
           </a:xfrm>
-          <a:prstGeom prst="roundRect">
-            <a:avLst>
-              <a:gd name="adj" fmla="val 9106"/>
-            </a:avLst>
+          <a:prstGeom prst="rect">
+            <a:avLst/>
           </a:prstGeom>
-          <a:ln>
+          <a:noFill/>
+          <a:ln w="9525" algn="ctr">
+            <a:noFill/>
+            <a:miter lim="800000"/>
             <a:headEnd/>
             <a:tailEnd/>
           </a:ln>
+          <a:effectLst/>
         </p:spPr>
-        <p:style>
-          <a:lnRef idx="1">
-            <a:schemeClr val="accent6"/>
-          </a:lnRef>
-          <a:fillRef idx="2">
-            <a:schemeClr val="accent6"/>
-          </a:fillRef>
-          <a:effectRef idx="1">
-            <a:schemeClr val="accent6"/>
-          </a:effectRef>
-          <a:fontRef idx="minor">
-            <a:schemeClr val="dk1"/>
-          </a:fontRef>
-        </p:style>
-        <p:txBody>
-          <a:bodyPr wrap="none" anchor="ctr"/>
+        <p:txBody>
+          <a:bodyPr wrap="none">
+            <a:spAutoFit/>
+          </a:bodyPr>
           <a:lstStyle/>
           <a:p>
-            <a:pPr eaLnBrk="0" hangingPunct="0"/>
-            <a:r>
-              <a:rPr lang="es-PE" b="1" dirty="0" smtClean="0">
-                <a:latin typeface="Lucida Console" pitchFamily="49" charset="0"/>
+            <a:pPr algn="ctr"/>
+            <a:r>
+              <a:rPr lang="en-US" sz="2000" b="1" dirty="0" err="1" smtClean="0">
+                <a:solidFill>
+                  <a:srgbClr val="000000"/>
+                </a:solidFill>
+                <a:effectLst/>
+                <a:latin typeface="Arial" charset="0"/>
               </a:rPr>
-              <a:t>Monitoreo y Ajuste de la solución</a:t>
-            </a:r>
-            <a:endParaRPr lang="en-US" sz="1800" b="1" dirty="0">
-              <a:solidFill>
-                <a:schemeClr val="bg1"/>
-              </a:solidFill>
+              <a:t>Recomendaciones</a:t>
+            </a:r>
+            <a:endParaRPr lang="en-US" sz="1600" b="1" dirty="0">
               <a:effectLst/>
               <a:latin typeface="Arial" charset="0"/>
             </a:endParaRPr>
@@ -5028,74 +5960,10 @@
           <a:lstStyle/>
           <a:p>
             <a:r>
-              <a:rPr lang="es-PE" dirty="0" smtClean="0"/>
-              <a:t>Compromisos</a:t>
-            </a:r>
-            <a:endParaRPr lang="es-PE" dirty="0"/>
-          </a:p>
-        </p:txBody>
-      </p:sp>
-      <p:sp>
-        <p:nvSpPr>
-          <p:cNvPr id="3" name="2 Marcador de contenido"/>
-          <p:cNvSpPr>
-            <a:spLocks noGrp="1"/>
-          </p:cNvSpPr>
-          <p:nvPr>
-            <p:ph idx="1"/>
-          </p:nvPr>
-        </p:nvSpPr>
-        <p:spPr/>
-        <p:txBody>
-          <a:bodyPr>
-            <a:normAutofit lnSpcReduction="10000"/>
-          </a:bodyPr>
-          <a:lstStyle/>
-          <a:p>
-            <a:endParaRPr lang="es-PE" dirty="0" smtClean="0">
-              <a:latin typeface="Lucida Console" pitchFamily="49" charset="0"/>
-            </a:endParaRPr>
-          </a:p>
-          <a:p>
-            <a:r>
-              <a:rPr lang="es-PE" b="1" i="1" dirty="0" smtClean="0">
-                <a:latin typeface="Lucida Console" pitchFamily="49" charset="0"/>
-              </a:rPr>
-              <a:t>Grupo de trabajo</a:t>
-            </a:r>
-            <a:r>
-              <a:rPr lang="es-PE" dirty="0" smtClean="0">
-                <a:latin typeface="Lucida Console" pitchFamily="49" charset="0"/>
-              </a:rPr>
-              <a:t>, se compromete a desarrollar e implantar la solución BI de acuerdo al negocio de PITS.</a:t>
-            </a:r>
-          </a:p>
-          <a:p>
-            <a:r>
-              <a:rPr lang="es-PE" b="1" i="1" dirty="0" err="1" smtClean="0">
-                <a:latin typeface="Lucida Console" pitchFamily="49" charset="0"/>
-              </a:rPr>
-              <a:t>Pits</a:t>
-            </a:r>
-            <a:r>
-              <a:rPr lang="es-PE" dirty="0" smtClean="0">
-                <a:latin typeface="Lucida Console" pitchFamily="49" charset="0"/>
-              </a:rPr>
-              <a:t>, se compromete a apoyar al grupo de trabajo en todo lo necesario para llevar a cabo el proyecto y validar el trabajo realizado como parte del desarrollo de su tesis de grado.</a:t>
-            </a:r>
-            <a:endParaRPr lang="es-PE" dirty="0" smtClean="0">
-              <a:latin typeface="Lucida Console" pitchFamily="49" charset="0"/>
-            </a:endParaRPr>
-          </a:p>
-          <a:p>
-            <a:endParaRPr lang="es-PE" dirty="0" smtClean="0">
-              <a:latin typeface="Lucida Console" pitchFamily="49" charset="0"/>
-            </a:endParaRPr>
-          </a:p>
-          <a:p>
-            <a:endParaRPr lang="es-PE" dirty="0">
-              <a:latin typeface="Lucida Console" pitchFamily="49" charset="0"/>
-            </a:endParaRPr>
+              <a:rPr lang="es-ES_tradnl" dirty="0" smtClean="0"/>
+              <a:t>Plan de trabajo</a:t>
+            </a:r>
+            <a:endParaRPr lang="es-ES_tradnl" dirty="0"/>
           </a:p>
         </p:txBody>
       </p:sp>
@@ -5119,7 +5987,7 @@
               <a:pPr/>
               <a:t>5/21/2011</a:t>
             </a:fld>
-            <a:endParaRPr lang="en-US" dirty="0"/>
+            <a:endParaRPr lang="en-US"/>
           </a:p>
         </p:txBody>
       </p:sp>
@@ -5171,6 +6039,403 @@
               <a:t>11</a:t>
             </a:fld>
             <a:endParaRPr kumimoji="0" lang="en-US"/>
+          </a:p>
+        </p:txBody>
+      </p:sp>
+      <p:sp>
+        <p:nvSpPr>
+          <p:cNvPr id="36" name="AutoShape 3"/>
+          <p:cNvSpPr>
+            <a:spLocks noChangeArrowheads="1"/>
+          </p:cNvSpPr>
+          <p:nvPr/>
+        </p:nvSpPr>
+        <p:spPr bwMode="ltGray">
+          <a:xfrm>
+            <a:off x="714348" y="428604"/>
+            <a:ext cx="7715304" cy="5357850"/>
+          </a:xfrm>
+          <a:prstGeom prst="rightArrow">
+            <a:avLst>
+              <a:gd name="adj1" fmla="val 79306"/>
+              <a:gd name="adj2" fmla="val 32395"/>
+            </a:avLst>
+          </a:prstGeom>
+          <a:ln>
+            <a:headEnd/>
+            <a:tailEnd/>
+          </a:ln>
+        </p:spPr>
+        <p:style>
+          <a:lnRef idx="0">
+            <a:schemeClr val="accent3"/>
+          </a:lnRef>
+          <a:fillRef idx="3">
+            <a:schemeClr val="accent3"/>
+          </a:fillRef>
+          <a:effectRef idx="3">
+            <a:schemeClr val="accent3"/>
+          </a:effectRef>
+          <a:fontRef idx="minor">
+            <a:schemeClr val="lt1"/>
+          </a:fontRef>
+        </p:style>
+        <p:txBody>
+          <a:bodyPr wrap="none" anchor="ctr"/>
+          <a:lstStyle/>
+          <a:p>
+            <a:endParaRPr lang="en-US"/>
+          </a:p>
+        </p:txBody>
+      </p:sp>
+      <p:sp>
+        <p:nvSpPr>
+          <p:cNvPr id="37" name="AutoShape 4"/>
+          <p:cNvSpPr>
+            <a:spLocks noChangeArrowheads="1"/>
+          </p:cNvSpPr>
+          <p:nvPr/>
+        </p:nvSpPr>
+        <p:spPr bwMode="blackWhite">
+          <a:xfrm>
+            <a:off x="809596" y="1109642"/>
+            <a:ext cx="5834106" cy="533408"/>
+          </a:xfrm>
+          <a:prstGeom prst="roundRect">
+            <a:avLst>
+              <a:gd name="adj" fmla="val 9106"/>
+            </a:avLst>
+          </a:prstGeom>
+          <a:ln>
+            <a:headEnd/>
+            <a:tailEnd/>
+          </a:ln>
+        </p:spPr>
+        <p:style>
+          <a:lnRef idx="1">
+            <a:schemeClr val="accent3"/>
+          </a:lnRef>
+          <a:fillRef idx="2">
+            <a:schemeClr val="accent3"/>
+          </a:fillRef>
+          <a:effectRef idx="1">
+            <a:schemeClr val="accent3"/>
+          </a:effectRef>
+          <a:fontRef idx="minor">
+            <a:schemeClr val="dk1"/>
+          </a:fontRef>
+        </p:style>
+        <p:txBody>
+          <a:bodyPr wrap="none" anchor="ctr"/>
+          <a:lstStyle/>
+          <a:p>
+            <a:pPr marL="457200" indent="-457200"/>
+            <a:r>
+              <a:rPr lang="es-PE" b="1" dirty="0" smtClean="0">
+                <a:latin typeface="Lucida Console" pitchFamily="49" charset="0"/>
+              </a:rPr>
+              <a:t>Revisión del proceso actual</a:t>
+            </a:r>
+          </a:p>
+        </p:txBody>
+      </p:sp>
+      <p:sp>
+        <p:nvSpPr>
+          <p:cNvPr id="38" name="AutoShape 5"/>
+          <p:cNvSpPr>
+            <a:spLocks noChangeArrowheads="1"/>
+          </p:cNvSpPr>
+          <p:nvPr/>
+        </p:nvSpPr>
+        <p:spPr bwMode="blackWhite">
+          <a:xfrm>
+            <a:off x="809596" y="1714488"/>
+            <a:ext cx="5834106" cy="1457316"/>
+          </a:xfrm>
+          <a:prstGeom prst="roundRect">
+            <a:avLst>
+              <a:gd name="adj" fmla="val 9106"/>
+            </a:avLst>
+          </a:prstGeom>
+          <a:ln>
+            <a:headEnd/>
+            <a:tailEnd/>
+          </a:ln>
+        </p:spPr>
+        <p:style>
+          <a:lnRef idx="1">
+            <a:schemeClr val="accent4"/>
+          </a:lnRef>
+          <a:fillRef idx="2">
+            <a:schemeClr val="accent4"/>
+          </a:fillRef>
+          <a:effectRef idx="1">
+            <a:schemeClr val="accent4"/>
+          </a:effectRef>
+          <a:fontRef idx="minor">
+            <a:schemeClr val="dk1"/>
+          </a:fontRef>
+        </p:style>
+        <p:txBody>
+          <a:bodyPr wrap="none" anchor="ctr"/>
+          <a:lstStyle/>
+          <a:p>
+            <a:pPr marL="457200" indent="-457200"/>
+            <a:r>
+              <a:rPr lang="es-PE" sz="2000" b="1" dirty="0" smtClean="0">
+                <a:latin typeface="Lucida Console" pitchFamily="49" charset="0"/>
+              </a:rPr>
+              <a:t>Definición de:</a:t>
+            </a:r>
+          </a:p>
+          <a:p>
+            <a:pPr marL="283464" indent="-457200">
+              <a:buFont typeface="+mj-lt"/>
+              <a:buAutoNum type="alphaLcPeriod"/>
+            </a:pPr>
+            <a:r>
+              <a:rPr lang="es-PE" sz="1600" dirty="0" smtClean="0">
+                <a:latin typeface="Lucida Console" pitchFamily="49" charset="0"/>
+              </a:rPr>
+              <a:t>Objetivos del proyecto.</a:t>
+            </a:r>
+          </a:p>
+          <a:p>
+            <a:pPr marL="283464" indent="-457200">
+              <a:buFont typeface="+mj-lt"/>
+              <a:buAutoNum type="alphaLcPeriod"/>
+            </a:pPr>
+            <a:r>
+              <a:rPr lang="es-PE" sz="1600" dirty="0" smtClean="0">
+                <a:latin typeface="Lucida Console" pitchFamily="49" charset="0"/>
+              </a:rPr>
+              <a:t>Etapas del proyecto.</a:t>
+            </a:r>
+          </a:p>
+          <a:p>
+            <a:pPr marL="283464" indent="-457200">
+              <a:buFont typeface="+mj-lt"/>
+              <a:buAutoNum type="alphaLcPeriod"/>
+            </a:pPr>
+            <a:r>
+              <a:rPr lang="es-PE" sz="1600" dirty="0" smtClean="0">
+                <a:latin typeface="Lucida Console" pitchFamily="49" charset="0"/>
+              </a:rPr>
+              <a:t>Grupo de trabajo.</a:t>
+            </a:r>
+          </a:p>
+          <a:p>
+            <a:pPr marL="283464" indent="-457200">
+              <a:buFont typeface="+mj-lt"/>
+              <a:buAutoNum type="alphaLcPeriod"/>
+            </a:pPr>
+            <a:r>
+              <a:rPr lang="es-PE" sz="1600" dirty="0" smtClean="0">
+                <a:latin typeface="Lucida Console" pitchFamily="49" charset="0"/>
+              </a:rPr>
+              <a:t>Requerimientos y recursos necesarios.</a:t>
+            </a:r>
+          </a:p>
+        </p:txBody>
+      </p:sp>
+      <p:sp>
+        <p:nvSpPr>
+          <p:cNvPr id="39" name="AutoShape 6"/>
+          <p:cNvSpPr>
+            <a:spLocks noChangeArrowheads="1"/>
+          </p:cNvSpPr>
+          <p:nvPr/>
+        </p:nvSpPr>
+        <p:spPr bwMode="blackWhite">
+          <a:xfrm>
+            <a:off x="785786" y="3214686"/>
+            <a:ext cx="5857916" cy="571504"/>
+          </a:xfrm>
+          <a:prstGeom prst="roundRect">
+            <a:avLst>
+              <a:gd name="adj" fmla="val 9106"/>
+            </a:avLst>
+          </a:prstGeom>
+          <a:ln>
+            <a:headEnd/>
+            <a:tailEnd/>
+          </a:ln>
+        </p:spPr>
+        <p:style>
+          <a:lnRef idx="1">
+            <a:schemeClr val="accent1"/>
+          </a:lnRef>
+          <a:fillRef idx="2">
+            <a:schemeClr val="accent1"/>
+          </a:fillRef>
+          <a:effectRef idx="1">
+            <a:schemeClr val="accent1"/>
+          </a:effectRef>
+          <a:fontRef idx="minor">
+            <a:schemeClr val="dk1"/>
+          </a:fontRef>
+        </p:style>
+        <p:txBody>
+          <a:bodyPr wrap="none" anchor="ctr"/>
+          <a:lstStyle/>
+          <a:p>
+            <a:pPr eaLnBrk="0" hangingPunct="0"/>
+            <a:r>
+              <a:rPr lang="es-PE" b="1" dirty="0" smtClean="0">
+                <a:latin typeface="Lucida Console" pitchFamily="49" charset="0"/>
+              </a:rPr>
+              <a:t>Desarrollo de la solución</a:t>
+            </a:r>
+            <a:endParaRPr lang="en-US" sz="1800" b="1" dirty="0">
+              <a:solidFill>
+                <a:schemeClr val="bg1"/>
+              </a:solidFill>
+              <a:effectLst/>
+              <a:latin typeface="Arial" charset="0"/>
+            </a:endParaRPr>
+          </a:p>
+        </p:txBody>
+      </p:sp>
+      <p:sp>
+        <p:nvSpPr>
+          <p:cNvPr id="40" name="AutoShape 6"/>
+          <p:cNvSpPr>
+            <a:spLocks noChangeArrowheads="1"/>
+          </p:cNvSpPr>
+          <p:nvPr/>
+        </p:nvSpPr>
+        <p:spPr bwMode="blackWhite">
+          <a:xfrm>
+            <a:off x="785786" y="3857628"/>
+            <a:ext cx="5857916" cy="571504"/>
+          </a:xfrm>
+          <a:prstGeom prst="roundRect">
+            <a:avLst>
+              <a:gd name="adj" fmla="val 9106"/>
+            </a:avLst>
+          </a:prstGeom>
+          <a:ln>
+            <a:headEnd/>
+            <a:tailEnd/>
+          </a:ln>
+        </p:spPr>
+        <p:style>
+          <a:lnRef idx="1">
+            <a:schemeClr val="dk1"/>
+          </a:lnRef>
+          <a:fillRef idx="2">
+            <a:schemeClr val="dk1"/>
+          </a:fillRef>
+          <a:effectRef idx="1">
+            <a:schemeClr val="dk1"/>
+          </a:effectRef>
+          <a:fontRef idx="minor">
+            <a:schemeClr val="dk1"/>
+          </a:fontRef>
+        </p:style>
+        <p:txBody>
+          <a:bodyPr wrap="none" anchor="ctr"/>
+          <a:lstStyle/>
+          <a:p>
+            <a:pPr eaLnBrk="0" hangingPunct="0"/>
+            <a:r>
+              <a:rPr lang="es-PE" sz="1600" b="1" dirty="0" smtClean="0">
+                <a:latin typeface="Lucida Console" pitchFamily="49" charset="0"/>
+              </a:rPr>
+              <a:t>Pruebas durante el desarrollo</a:t>
+            </a:r>
+            <a:endParaRPr lang="en-US" sz="1600" b="1" dirty="0">
+              <a:solidFill>
+                <a:schemeClr val="bg1"/>
+              </a:solidFill>
+              <a:effectLst/>
+              <a:latin typeface="Arial" charset="0"/>
+            </a:endParaRPr>
+          </a:p>
+        </p:txBody>
+      </p:sp>
+      <p:sp>
+        <p:nvSpPr>
+          <p:cNvPr id="41" name="AutoShape 6"/>
+          <p:cNvSpPr>
+            <a:spLocks noChangeArrowheads="1"/>
+          </p:cNvSpPr>
+          <p:nvPr/>
+        </p:nvSpPr>
+        <p:spPr bwMode="blackWhite">
+          <a:xfrm>
+            <a:off x="785786" y="4500570"/>
+            <a:ext cx="5857916" cy="571504"/>
+          </a:xfrm>
+          <a:prstGeom prst="roundRect">
+            <a:avLst>
+              <a:gd name="adj" fmla="val 9106"/>
+            </a:avLst>
+          </a:prstGeom>
+          <a:ln>
+            <a:headEnd/>
+            <a:tailEnd/>
+          </a:ln>
+        </p:spPr>
+        <p:style>
+          <a:lnRef idx="1">
+            <a:schemeClr val="accent6"/>
+          </a:lnRef>
+          <a:fillRef idx="2">
+            <a:schemeClr val="accent6"/>
+          </a:fillRef>
+          <a:effectRef idx="1">
+            <a:schemeClr val="accent6"/>
+          </a:effectRef>
+          <a:fontRef idx="minor">
+            <a:schemeClr val="dk1"/>
+          </a:fontRef>
+        </p:style>
+        <p:txBody>
+          <a:bodyPr wrap="none" anchor="ctr"/>
+          <a:lstStyle/>
+          <a:p>
+            <a:pPr eaLnBrk="0" hangingPunct="0"/>
+            <a:r>
+              <a:rPr lang="es-PE" b="1" dirty="0" smtClean="0">
+                <a:latin typeface="Lucida Console" pitchFamily="49" charset="0"/>
+              </a:rPr>
+              <a:t>Implementación</a:t>
+            </a:r>
+            <a:r>
+              <a:rPr lang="es-PE" b="1" dirty="0" smtClean="0">
+                <a:latin typeface="Lucida Console" pitchFamily="49" charset="0"/>
+              </a:rPr>
+              <a:t>, m</a:t>
+            </a:r>
+            <a:r>
+              <a:rPr lang="es-PE" b="1" dirty="0" smtClean="0">
+                <a:latin typeface="Lucida Console" pitchFamily="49" charset="0"/>
+              </a:rPr>
+              <a:t>onitoreo y</a:t>
+            </a:r>
+          </a:p>
+          <a:p>
+            <a:pPr eaLnBrk="0" hangingPunct="0"/>
+            <a:r>
+              <a:rPr lang="es-PE" b="1" dirty="0" smtClean="0">
+                <a:latin typeface="Lucida Console" pitchFamily="49" charset="0"/>
+              </a:rPr>
+              <a:t>ajuste </a:t>
+            </a:r>
+            <a:r>
+              <a:rPr lang="es-PE" b="1" dirty="0" smtClean="0">
+                <a:latin typeface="Lucida Console" pitchFamily="49" charset="0"/>
+              </a:rPr>
+              <a:t>de la solución</a:t>
+            </a:r>
+            <a:endParaRPr lang="en-US" b="1" dirty="0">
+              <a:solidFill>
+                <a:schemeClr val="bg1"/>
+              </a:solidFill>
+              <a:effectLst/>
+              <a:latin typeface="Arial" charset="0"/>
+            </a:endParaRPr>
           </a:p>
         </p:txBody>
       </p:sp>
@@ -5216,6 +6481,203 @@
             <p:ph type="title"/>
           </p:nvPr>
         </p:nvSpPr>
+        <p:spPr/>
+        <p:txBody>
+          <a:bodyPr/>
+          <a:lstStyle/>
+          <a:p>
+            <a:r>
+              <a:rPr lang="es-PE" dirty="0" smtClean="0"/>
+              <a:t>Compromisos</a:t>
+            </a:r>
+            <a:endParaRPr lang="es-PE" dirty="0"/>
+          </a:p>
+        </p:txBody>
+      </p:sp>
+      <p:sp>
+        <p:nvSpPr>
+          <p:cNvPr id="3" name="2 Marcador de contenido"/>
+          <p:cNvSpPr>
+            <a:spLocks noGrp="1"/>
+          </p:cNvSpPr>
+          <p:nvPr>
+            <p:ph idx="1"/>
+          </p:nvPr>
+        </p:nvSpPr>
+        <p:spPr/>
+        <p:txBody>
+          <a:bodyPr>
+            <a:normAutofit lnSpcReduction="10000"/>
+          </a:bodyPr>
+          <a:lstStyle/>
+          <a:p>
+            <a:endParaRPr lang="es-PE" dirty="0" smtClean="0">
+              <a:latin typeface="Lucida Console" pitchFamily="49" charset="0"/>
+            </a:endParaRPr>
+          </a:p>
+          <a:p>
+            <a:r>
+              <a:rPr lang="es-PE" b="1" i="1" dirty="0" smtClean="0">
+                <a:latin typeface="Lucida Console" pitchFamily="49" charset="0"/>
+              </a:rPr>
+              <a:t>Grupo de trabajo</a:t>
+            </a:r>
+            <a:r>
+              <a:rPr lang="es-PE" dirty="0" smtClean="0">
+                <a:latin typeface="Lucida Console" pitchFamily="49" charset="0"/>
+              </a:rPr>
+              <a:t>, se </a:t>
+            </a:r>
+            <a:r>
+              <a:rPr lang="es-PE" dirty="0" smtClean="0">
+                <a:latin typeface="Lucida Console" pitchFamily="49" charset="0"/>
+              </a:rPr>
+              <a:t>compromete a desarrollar e implantar la solución BI de acuerdo al negocio de PITS.</a:t>
+            </a:r>
+          </a:p>
+          <a:p>
+            <a:r>
+              <a:rPr lang="es-PE" b="1" i="1" dirty="0" err="1" smtClean="0">
+                <a:latin typeface="Lucida Console" pitchFamily="49" charset="0"/>
+              </a:rPr>
+              <a:t>Pits</a:t>
+            </a:r>
+            <a:r>
+              <a:rPr lang="es-PE" dirty="0" smtClean="0">
+                <a:latin typeface="Lucida Console" pitchFamily="49" charset="0"/>
+              </a:rPr>
+              <a:t>, se compromete a apoyar al grupo de trabajo en todo lo necesario para llevar a cabo el proyecto y validar el trabajo realizado como parte del desarrollo de su tesis de grado.</a:t>
+            </a:r>
+          </a:p>
+          <a:p>
+            <a:endParaRPr lang="es-PE" dirty="0" smtClean="0">
+              <a:latin typeface="Lucida Console" pitchFamily="49" charset="0"/>
+            </a:endParaRPr>
+          </a:p>
+          <a:p>
+            <a:endParaRPr lang="es-PE" dirty="0">
+              <a:latin typeface="Lucida Console" pitchFamily="49" charset="0"/>
+            </a:endParaRPr>
+          </a:p>
+        </p:txBody>
+      </p:sp>
+      <p:sp>
+        <p:nvSpPr>
+          <p:cNvPr id="4" name="3 Marcador de fecha"/>
+          <p:cNvSpPr>
+            <a:spLocks noGrp="1"/>
+          </p:cNvSpPr>
+          <p:nvPr>
+            <p:ph type="dt" sz="half" idx="10"/>
+          </p:nvPr>
+        </p:nvSpPr>
+        <p:spPr/>
+        <p:txBody>
+          <a:bodyPr/>
+          <a:lstStyle/>
+          <a:p>
+            <a:fld id="{D2B23E85-0806-477F-BA8B-5A9062B8B345}" type="datetime1">
+              <a:rPr lang="en-US" smtClean="0"/>
+              <a:pPr/>
+              <a:t>5/21/2011</a:t>
+            </a:fld>
+            <a:endParaRPr lang="en-US" dirty="0"/>
+          </a:p>
+        </p:txBody>
+      </p:sp>
+      <p:sp>
+        <p:nvSpPr>
+          <p:cNvPr id="5" name="4 Marcador de pie de página"/>
+          <p:cNvSpPr>
+            <a:spLocks noGrp="1"/>
+          </p:cNvSpPr>
+          <p:nvPr>
+            <p:ph type="ftr" sz="quarter" idx="11"/>
+          </p:nvPr>
+        </p:nvSpPr>
+        <p:spPr/>
+        <p:txBody>
+          <a:bodyPr/>
+          <a:lstStyle/>
+          <a:p>
+            <a:r>
+              <a:rPr lang="en-US" dirty="0" smtClean="0"/>
+              <a:t>PITS – 1era </a:t>
+            </a:r>
+            <a:r>
+              <a:rPr lang="en-US" dirty="0" err="1" smtClean="0"/>
+              <a:t>Presentación</a:t>
+            </a:r>
+            <a:endParaRPr lang="en-US" dirty="0"/>
+          </a:p>
+        </p:txBody>
+      </p:sp>
+      <p:sp>
+        <p:nvSpPr>
+          <p:cNvPr id="6" name="5 Marcador de número de diapositiva"/>
+          <p:cNvSpPr>
+            <a:spLocks noGrp="1"/>
+          </p:cNvSpPr>
+          <p:nvPr>
+            <p:ph type="sldNum" sz="quarter" idx="12"/>
+          </p:nvPr>
+        </p:nvSpPr>
+        <p:spPr/>
+        <p:txBody>
+          <a:bodyPr/>
+          <a:lstStyle/>
+          <a:p>
+            <a:fld id="{91974DF9-AD47-4691-BA21-BBFCE3637A9A}" type="slidenum">
+              <a:rPr kumimoji="0" lang="en-US" smtClean="0"/>
+              <a:pPr/>
+              <a:t>12</a:t>
+            </a:fld>
+            <a:endParaRPr kumimoji="0" lang="en-US"/>
+          </a:p>
+        </p:txBody>
+      </p:sp>
+    </p:spTree>
+  </p:cSld>
+  <p:clrMapOvr>
+    <a:masterClrMapping/>
+  </p:clrMapOvr>
+  <p:timing>
+    <p:tnLst>
+      <p:par>
+        <p:cTn id="1" dur="indefinite" restart="never" nodeType="tmRoot"/>
+      </p:par>
+    </p:tnLst>
+  </p:timing>
+</p:sld>
+</file>
+
+<file path=ppt/slides/slide13.xml><?xml version="1.0" encoding="utf-8"?>
+<p:sld xmlns:a="http://schemas.openxmlformats.org/drawingml/2006/main" xmlns:r="http://schemas.openxmlformats.org/officeDocument/2006/relationships" xmlns:p="http://schemas.openxmlformats.org/presentationml/2006/main">
+  <p:cSld>
+    <p:spTree>
+      <p:nvGrpSpPr>
+        <p:cNvPr id="1" name=""/>
+        <p:cNvGrpSpPr/>
+        <p:nvPr/>
+      </p:nvGrpSpPr>
+      <p:grpSpPr>
+        <a:xfrm>
+          <a:off x="0" y="0"/>
+          <a:ext cx="0" cy="0"/>
+          <a:chOff x="0" y="0"/>
+          <a:chExt cx="0" cy="0"/>
+        </a:xfrm>
+      </p:grpSpPr>
+      <p:sp>
+        <p:nvSpPr>
+          <p:cNvPr id="2" name="1 Título"/>
+          <p:cNvSpPr>
+            <a:spLocks noGrp="1"/>
+          </p:cNvSpPr>
+          <p:nvPr>
+            <p:ph type="title"/>
+          </p:nvPr>
+        </p:nvSpPr>
         <p:spPr>
           <a:xfrm>
             <a:off x="500034" y="4786322"/>
@@ -5300,7 +6762,7 @@
             <a:fld id="{91974DF9-AD47-4691-BA21-BBFCE3637A9A}" type="slidenum">
               <a:rPr kumimoji="0" lang="en-US" smtClean="0"/>
               <a:pPr/>
-              <a:t>12</a:t>
+              <a:t>13</a:t>
             </a:fld>
             <a:endParaRPr kumimoji="0" lang="en-US"/>
           </a:p>
